--- a/arquivos/Modelo de Canvas.pptx
+++ b/arquivos/Modelo de Canvas.pptx
@@ -325,7 +325,7 @@
           <a:p>
             <a:fld id="{90345AE1-7C29-432F-9E78-FAAED75B8257}" type="datetimeFigureOut">
               <a:rPr lang="pt-BR" smtClean="0"/>
-              <a:t>08/04/2021</a:t>
+              <a:t>20/07/2021</a:t>
             </a:fld>
             <a:endParaRPr lang="pt-BR" dirty="0"/>
           </a:p>
@@ -499,7 +499,7 @@
               <a:pPr>
                 <a:defRPr/>
               </a:pPr>
-              <a:t>08/04/2021</a:t>
+              <a:t>20/07/2021</a:t>
             </a:fld>
             <a:endParaRPr lang="pt-BR" dirty="0"/>
           </a:p>
@@ -5689,16 +5689,26 @@
             <p:ph type="body" sz="quarter" idx="10"/>
           </p:nvPr>
         </p:nvSpPr>
-        <p:spPr/>
+        <p:spPr>
+          <a:xfrm>
+            <a:off x="1888087" y="2461596"/>
+            <a:ext cx="7023596" cy="387211"/>
+          </a:xfrm>
+        </p:spPr>
         <p:txBody>
           <a:bodyPr/>
           <a:lstStyle/>
           <a:p>
             <a:pPr lvl="0"/>
             <a:r>
-              <a:rPr lang="pt-BR" dirty="0"/>
-              <a:t>Belo Horizonte, MG – Abril de 2021</a:t>
+              <a:rPr lang="pt-BR" sz="1800" dirty="0"/>
+              <a:t>Belo </a:t>
             </a:r>
+            <a:r>
+              <a:rPr lang="pt-BR" sz="1800" dirty="0" smtClean="0"/>
+              <a:t>Horizonte - MG </a:t>
+            </a:r>
+            <a:endParaRPr lang="pt-BR" sz="1800" dirty="0"/>
           </a:p>
         </p:txBody>
       </p:sp>
@@ -5714,7 +5724,7 @@
         </p:nvSpPr>
         <p:spPr>
           <a:xfrm>
-            <a:off x="1148006" y="1441512"/>
+            <a:off x="1148007" y="1621576"/>
             <a:ext cx="8503750" cy="920190"/>
           </a:xfrm>
         </p:spPr>
@@ -5723,40 +5733,41 @@
           <a:lstStyle/>
           <a:p>
             <a:r>
-              <a:rPr lang="pt-BR" dirty="0"/>
+              <a:rPr lang="pt-BR" sz="3200" b="1" dirty="0"/>
               <a:t>Modelo de </a:t>
             </a:r>
             <a:r>
-              <a:rPr lang="pt-BR" dirty="0" err="1"/>
+              <a:rPr lang="pt-BR" sz="3200" b="1" dirty="0" err="1"/>
               <a:t>Canvas</a:t>
             </a:r>
-            <a:endParaRPr lang="pt-BR" dirty="0"/>
+            <a:endParaRPr lang="pt-BR" sz="3200" b="1" dirty="0"/>
           </a:p>
         </p:txBody>
       </p:sp>
       <p:pic>
         <p:nvPicPr>
-          <p:cNvPr id="5" name="Imagem 4">
-            <a:extLst>
-              <a:ext uri="{FF2B5EF4-FFF2-40B4-BE49-F238E27FC236}">
-                <a16:creationId xmlns:a16="http://schemas.microsoft.com/office/drawing/2014/main" id="{86A6D981-3EA5-4929-8C02-6254BCA8FE37}"/>
-              </a:ext>
-            </a:extLst>
-          </p:cNvPr>
+          <p:cNvPr id="4" name="Imagem 3"/>
           <p:cNvPicPr>
             <a:picLocks noChangeAspect="1"/>
           </p:cNvPicPr>
           <p:nvPr/>
         </p:nvPicPr>
-        <p:blipFill rotWithShape="1">
-          <a:blip r:embed="rId2"/>
-          <a:srcRect l="41868" t="19130" r="42967" b="72270"/>
-          <a:stretch/>
+        <p:blipFill>
+          <a:blip r:embed="rId2">
+            <a:extLst>
+              <a:ext uri="{28A0092B-C50C-407E-A947-70E740481C1C}">
+                <a14:useLocalDpi xmlns:a14="http://schemas.microsoft.com/office/drawing/2010/main" val="0"/>
+              </a:ext>
+            </a:extLst>
+          </a:blip>
+          <a:stretch>
+            <a:fillRect/>
+          </a:stretch>
         </p:blipFill>
         <p:spPr>
           <a:xfrm>
-            <a:off x="4190170" y="354772"/>
-            <a:ext cx="2419424" cy="771413"/>
+            <a:off x="59288" y="-1262859"/>
+            <a:ext cx="4111666" cy="4111666"/>
           </a:xfrm>
           <a:prstGeom prst="rect">
             <a:avLst/>
@@ -6330,6 +6341,36 @@
           </a:p>
         </p:txBody>
       </p:sp>
+      <p:pic>
+        <p:nvPicPr>
+          <p:cNvPr id="15" name="Imagem 14"/>
+          <p:cNvPicPr>
+            <a:picLocks noChangeAspect="1"/>
+          </p:cNvPicPr>
+          <p:nvPr/>
+        </p:nvPicPr>
+        <p:blipFill>
+          <a:blip r:embed="rId2">
+            <a:extLst>
+              <a:ext uri="{28A0092B-C50C-407E-A947-70E740481C1C}">
+                <a14:useLocalDpi xmlns:a14="http://schemas.microsoft.com/office/drawing/2010/main" val="0"/>
+              </a:ext>
+            </a:extLst>
+          </a:blip>
+          <a:stretch>
+            <a:fillRect/>
+          </a:stretch>
+        </p:blipFill>
+        <p:spPr>
+          <a:xfrm>
+            <a:off x="7879195" y="-473234"/>
+            <a:ext cx="1357084" cy="1357084"/>
+          </a:xfrm>
+          <a:prstGeom prst="rect">
+            <a:avLst/>
+          </a:prstGeom>
+        </p:spPr>
+      </p:pic>
     </p:spTree>
     <p:extLst>
       <p:ext uri="{BB962C8B-B14F-4D97-AF65-F5344CB8AC3E}">
@@ -7586,6 +7627,21 @@
 </file>
 
 <file path=customXml/item1.xml><?xml version="1.0" encoding="utf-8"?>
+<p:properties xmlns:p="http://schemas.microsoft.com/office/2006/metadata/properties" xmlns:xsi="http://www.w3.org/2001/XMLSchema-instance" xmlns:pc="http://schemas.microsoft.com/office/infopath/2007/PartnerControls">
+  <documentManagement/>
+</p:properties>
+</file>
+
+<file path=customXml/item2.xml><?xml version="1.0" encoding="utf-8"?>
+<?mso-contentType ?>
+<FormTemplates xmlns="http://schemas.microsoft.com/sharepoint/v3/contenttype/forms">
+  <Display>DocumentLibraryForm</Display>
+  <Edit>DocumentLibraryForm</Edit>
+  <New>DocumentLibraryForm</New>
+</FormTemplates>
+</file>
+
+<file path=customXml/item3.xml><?xml version="1.0" encoding="utf-8"?>
 <ct:contentTypeSchema xmlns:ct="http://schemas.microsoft.com/office/2006/metadata/contentType" xmlns:ma="http://schemas.microsoft.com/office/2006/metadata/properties/metaAttributes" ct:_="" ma:_="" ma:contentTypeName="Document" ma:contentTypeID="0x01010063DFB35F0B09BA41AF54FC4903225F5B" ma:contentTypeVersion="12" ma:contentTypeDescription="Create a new document." ma:contentTypeScope="" ma:versionID="dabac917373acaa0ad9364e865d3da74">
   <xsd:schema xmlns:xsd="http://www.w3.org/2001/XMLSchema" xmlns:xs="http://www.w3.org/2001/XMLSchema" xmlns:p="http://schemas.microsoft.com/office/2006/metadata/properties" xmlns:ns2="eb33c5a6-54d1-477f-83bb-93291d03e373" xmlns:ns3="cd8cfd7d-5186-4715-9870-1f6c504c93d5" targetNamespace="http://schemas.microsoft.com/office/2006/metadata/properties" ma:root="true" ma:fieldsID="60cb03af02e1dac60109aae364f4f603" ns2:_="" ns3:_="">
     <xsd:import namespace="eb33c5a6-54d1-477f-83bb-93291d03e373"/>
@@ -7802,34 +7858,7 @@
 </ct:contentTypeSchema>
 </file>
 
-<file path=customXml/item2.xml><?xml version="1.0" encoding="utf-8"?>
-<?mso-contentType ?>
-<FormTemplates xmlns="http://schemas.microsoft.com/sharepoint/v3/contenttype/forms">
-  <Display>DocumentLibraryForm</Display>
-  <Edit>DocumentLibraryForm</Edit>
-  <New>DocumentLibraryForm</New>
-</FormTemplates>
-</file>
-
-<file path=customXml/item3.xml><?xml version="1.0" encoding="utf-8"?>
-<p:properties xmlns:p="http://schemas.microsoft.com/office/2006/metadata/properties" xmlns:xsi="http://www.w3.org/2001/XMLSchema-instance" xmlns:pc="http://schemas.microsoft.com/office/infopath/2007/PartnerControls">
-  <documentManagement/>
-</p:properties>
-</file>
-
 <file path=customXml/itemProps1.xml><?xml version="1.0" encoding="utf-8"?>
-<ds:datastoreItem xmlns:ds="http://schemas.openxmlformats.org/officeDocument/2006/customXml" ds:itemID="{40B7C91D-8099-49A1-8F85-D314E2F260B4}"/>
-</file>
-
-<file path=customXml/itemProps2.xml><?xml version="1.0" encoding="utf-8"?>
-<ds:datastoreItem xmlns:ds="http://schemas.openxmlformats.org/officeDocument/2006/customXml" ds:itemID="{D1E38D57-0180-4567-AD0A-6F283E54E221}">
-  <ds:schemaRefs>
-    <ds:schemaRef ds:uri="http://schemas.microsoft.com/sharepoint/v3/contenttype/forms"/>
-  </ds:schemaRefs>
-</ds:datastoreItem>
-</file>
-
-<file path=customXml/itemProps3.xml><?xml version="1.0" encoding="utf-8"?>
 <ds:datastoreItem xmlns:ds="http://schemas.openxmlformats.org/officeDocument/2006/customXml" ds:itemID="{2C31BD79-6CFB-48C2-A656-974AF467EE70}">
   <ds:schemaRefs>
     <ds:schemaRef ds:uri="eb33c5a6-54d1-477f-83bb-93291d03e373"/>
@@ -7844,4 +7873,31 @@
     <ds:schemaRef ds:uri="http://purl.org/dc/elements/1.1/"/>
   </ds:schemaRefs>
 </ds:datastoreItem>
+</file>
+
+<file path=customXml/itemProps2.xml><?xml version="1.0" encoding="utf-8"?>
+<ds:datastoreItem xmlns:ds="http://schemas.openxmlformats.org/officeDocument/2006/customXml" ds:itemID="{D1E38D57-0180-4567-AD0A-6F283E54E221}">
+  <ds:schemaRefs>
+    <ds:schemaRef ds:uri="http://schemas.microsoft.com/sharepoint/v3/contenttype/forms"/>
+  </ds:schemaRefs>
+</ds:datastoreItem>
+</file>
+
+<file path=customXml/itemProps3.xml><?xml version="1.0" encoding="utf-8"?>
+<ds:datastoreItem xmlns:ds="http://schemas.openxmlformats.org/officeDocument/2006/customXml" ds:itemID="{40B7C91D-8099-49A1-8F85-D314E2F260B4}">
+  <ds:schemaRefs>
+    <ds:schemaRef ds:uri="http://schemas.microsoft.com/office/2006/metadata/contentType"/>
+    <ds:schemaRef ds:uri="http://schemas.microsoft.com/office/2006/metadata/properties/metaAttributes"/>
+    <ds:schemaRef ds:uri="http://www.w3.org/2001/XMLSchema"/>
+    <ds:schemaRef ds:uri="http://schemas.microsoft.com/office/2006/metadata/properties"/>
+    <ds:schemaRef ds:uri="eb33c5a6-54d1-477f-83bb-93291d03e373"/>
+    <ds:schemaRef ds:uri="cd8cfd7d-5186-4715-9870-1f6c504c93d5"/>
+    <ds:schemaRef ds:uri="http://schemas.microsoft.com/office/2006/documentManagement/types"/>
+    <ds:schemaRef ds:uri="http://schemas.microsoft.com/office/infopath/2007/PartnerControls"/>
+    <ds:schemaRef ds:uri="http://schemas.openxmlformats.org/package/2006/metadata/core-properties"/>
+    <ds:schemaRef ds:uri="http://purl.org/dc/elements/1.1/"/>
+    <ds:schemaRef ds:uri="http://purl.org/dc/terms/"/>
+    <ds:schemaRef ds:uri="http://schemas.microsoft.com/internal/obd"/>
+  </ds:schemaRefs>
+</ds:datastoreItem>
 </file>